--- a/docs/GeoSAMS.pptx
+++ b/docs/GeoSAMS.pptx
@@ -6,7 +6,7 @@
     <p:sldMasterId id="2147483653" r:id="rId2"/>
   </p:sldMasterIdLst>
   <p:notesMasterIdLst>
-    <p:notesMasterId r:id="rId22"/>
+    <p:notesMasterId r:id="rId24"/>
   </p:notesMasterIdLst>
   <p:sldIdLst>
     <p:sldId id="256" r:id="rId3"/>
@@ -28,6 +28,8 @@
     <p:sldId id="271" r:id="rId19"/>
     <p:sldId id="273" r:id="rId20"/>
     <p:sldId id="274" r:id="rId21"/>
+    <p:sldId id="275" r:id="rId22"/>
+    <p:sldId id="276" r:id="rId23"/>
   </p:sldIdLst>
   <p:sldSz cx="9144000" cy="5715000" type="screen16x10"/>
   <p:notesSz cx="6858000" cy="9144000"/>
@@ -3278,6 +3280,260 @@
         </p:spPr>
       </p:sp>
     </p:spTree>
+  </p:cSld>
+  <p:clrMapOvr>
+    <a:masterClrMapping/>
+  </p:clrMapOvr>
+</p:notes>
+</file>
+
+<file path=ppt/notesSlides/notesSlide20.xml><?xml version="1.0" encoding="utf-8"?>
+<p:notes xmlns:a="http://schemas.openxmlformats.org/drawingml/2006/main" xmlns:r="http://schemas.openxmlformats.org/officeDocument/2006/relationships" xmlns:p="http://schemas.openxmlformats.org/presentationml/2006/main" showMasterSp="0" showMasterPhAnim="0">
+  <p:cSld>
+    <p:spTree>
+      <p:nvGrpSpPr>
+        <p:cNvPr id="1" name="Shape 52"/>
+        <p:cNvGrpSpPr/>
+        <p:nvPr/>
+      </p:nvGrpSpPr>
+      <p:grpSpPr>
+        <a:xfrm>
+          <a:off x="0" y="0"/>
+          <a:ext cx="0" cy="0"/>
+          <a:chOff x="0" y="0"/>
+          <a:chExt cx="0" cy="0"/>
+        </a:xfrm>
+      </p:grpSpPr>
+      <p:sp>
+        <p:nvSpPr>
+          <p:cNvPr id="53" name="Google Shape;53;p2:notes"/>
+          <p:cNvSpPr txBox="1">
+            <a:spLocks noGrp="1"/>
+          </p:cNvSpPr>
+          <p:nvPr>
+            <p:ph type="body" idx="1"/>
+          </p:nvPr>
+        </p:nvSpPr>
+        <p:spPr>
+          <a:xfrm>
+            <a:off x="685800" y="4400550"/>
+            <a:ext cx="5486400" cy="3600450"/>
+          </a:xfrm>
+          <a:prstGeom prst="rect">
+            <a:avLst/>
+          </a:prstGeom>
+          <a:noFill/>
+          <a:ln>
+            <a:noFill/>
+          </a:ln>
+        </p:spPr>
+        <p:txBody>
+          <a:bodyPr spcFirstLastPara="1" wrap="square" lIns="91425" tIns="45700" rIns="91425" bIns="45700" anchor="t" anchorCtr="0">
+            <a:noAutofit/>
+          </a:bodyPr>
+          <a:lstStyle/>
+          <a:p>
+            <a:pPr marL="0" lvl="0" indent="0" algn="l" rtl="0">
+              <a:lnSpc>
+                <a:spcPct val="100000"/>
+              </a:lnSpc>
+              <a:spcBef>
+                <a:spcPts val="0"/>
+              </a:spcBef>
+              <a:spcAft>
+                <a:spcPts val="0"/>
+              </a:spcAft>
+              <a:buSzPts val="1400"/>
+              <a:buNone/>
+            </a:pPr>
+            <a:endParaRPr/>
+          </a:p>
+        </p:txBody>
+      </p:sp>
+      <p:sp>
+        <p:nvSpPr>
+          <p:cNvPr id="54" name="Google Shape;54;p2:notes"/>
+          <p:cNvSpPr>
+            <a:spLocks noGrp="1" noRot="1" noChangeAspect="1"/>
+          </p:cNvSpPr>
+          <p:nvPr>
+            <p:ph type="sldImg" idx="2"/>
+          </p:nvPr>
+        </p:nvSpPr>
+        <p:spPr>
+          <a:xfrm>
+            <a:off x="960438" y="1143000"/>
+            <a:ext cx="4937125" cy="3086100"/>
+          </a:xfrm>
+          <a:custGeom>
+            <a:avLst/>
+            <a:gdLst/>
+            <a:ahLst/>
+            <a:cxnLst/>
+            <a:rect l="l" t="t" r="r" b="b"/>
+            <a:pathLst>
+              <a:path w="120000" h="120000" extrusionOk="0">
+                <a:moveTo>
+                  <a:pt x="0" y="0"/>
+                </a:moveTo>
+                <a:lnTo>
+                  <a:pt x="120000" y="0"/>
+                </a:lnTo>
+                <a:lnTo>
+                  <a:pt x="120000" y="120000"/>
+                </a:lnTo>
+                <a:lnTo>
+                  <a:pt x="0" y="120000"/>
+                </a:lnTo>
+                <a:close/>
+              </a:path>
+            </a:pathLst>
+          </a:custGeom>
+          <a:noFill/>
+          <a:ln w="12700" cap="flat" cmpd="sng">
+            <a:solidFill>
+              <a:srgbClr val="000000"/>
+            </a:solidFill>
+            <a:prstDash val="solid"/>
+            <a:round/>
+            <a:headEnd type="none" w="sm" len="sm"/>
+            <a:tailEnd type="none" w="sm" len="sm"/>
+          </a:ln>
+        </p:spPr>
+      </p:sp>
+    </p:spTree>
+    <p:extLst>
+      <p:ext uri="{BB962C8B-B14F-4D97-AF65-F5344CB8AC3E}">
+        <p14:creationId xmlns:p14="http://schemas.microsoft.com/office/powerpoint/2010/main" val="3362306548"/>
+      </p:ext>
+    </p:extLst>
+  </p:cSld>
+  <p:clrMapOvr>
+    <a:masterClrMapping/>
+  </p:clrMapOvr>
+</p:notes>
+</file>
+
+<file path=ppt/notesSlides/notesSlide21.xml><?xml version="1.0" encoding="utf-8"?>
+<p:notes xmlns:a="http://schemas.openxmlformats.org/drawingml/2006/main" xmlns:r="http://schemas.openxmlformats.org/officeDocument/2006/relationships" xmlns:p="http://schemas.openxmlformats.org/presentationml/2006/main" showMasterSp="0" showMasterPhAnim="0">
+  <p:cSld>
+    <p:spTree>
+      <p:nvGrpSpPr>
+        <p:cNvPr id="1" name="Shape 52"/>
+        <p:cNvGrpSpPr/>
+        <p:nvPr/>
+      </p:nvGrpSpPr>
+      <p:grpSpPr>
+        <a:xfrm>
+          <a:off x="0" y="0"/>
+          <a:ext cx="0" cy="0"/>
+          <a:chOff x="0" y="0"/>
+          <a:chExt cx="0" cy="0"/>
+        </a:xfrm>
+      </p:grpSpPr>
+      <p:sp>
+        <p:nvSpPr>
+          <p:cNvPr id="53" name="Google Shape;53;p2:notes"/>
+          <p:cNvSpPr txBox="1">
+            <a:spLocks noGrp="1"/>
+          </p:cNvSpPr>
+          <p:nvPr>
+            <p:ph type="body" idx="1"/>
+          </p:nvPr>
+        </p:nvSpPr>
+        <p:spPr>
+          <a:xfrm>
+            <a:off x="685800" y="4400550"/>
+            <a:ext cx="5486400" cy="3600450"/>
+          </a:xfrm>
+          <a:prstGeom prst="rect">
+            <a:avLst/>
+          </a:prstGeom>
+          <a:noFill/>
+          <a:ln>
+            <a:noFill/>
+          </a:ln>
+        </p:spPr>
+        <p:txBody>
+          <a:bodyPr spcFirstLastPara="1" wrap="square" lIns="91425" tIns="45700" rIns="91425" bIns="45700" anchor="t" anchorCtr="0">
+            <a:noAutofit/>
+          </a:bodyPr>
+          <a:lstStyle/>
+          <a:p>
+            <a:pPr marL="0" lvl="0" indent="0" algn="l" rtl="0">
+              <a:lnSpc>
+                <a:spcPct val="100000"/>
+              </a:lnSpc>
+              <a:spcBef>
+                <a:spcPts val="0"/>
+              </a:spcBef>
+              <a:spcAft>
+                <a:spcPts val="0"/>
+              </a:spcAft>
+              <a:buSzPts val="1400"/>
+              <a:buNone/>
+            </a:pPr>
+            <a:endParaRPr/>
+          </a:p>
+        </p:txBody>
+      </p:sp>
+      <p:sp>
+        <p:nvSpPr>
+          <p:cNvPr id="54" name="Google Shape;54;p2:notes"/>
+          <p:cNvSpPr>
+            <a:spLocks noGrp="1" noRot="1" noChangeAspect="1"/>
+          </p:cNvSpPr>
+          <p:nvPr>
+            <p:ph type="sldImg" idx="2"/>
+          </p:nvPr>
+        </p:nvSpPr>
+        <p:spPr>
+          <a:xfrm>
+            <a:off x="960438" y="1143000"/>
+            <a:ext cx="4937125" cy="3086100"/>
+          </a:xfrm>
+          <a:custGeom>
+            <a:avLst/>
+            <a:gdLst/>
+            <a:ahLst/>
+            <a:cxnLst/>
+            <a:rect l="l" t="t" r="r" b="b"/>
+            <a:pathLst>
+              <a:path w="120000" h="120000" extrusionOk="0">
+                <a:moveTo>
+                  <a:pt x="0" y="0"/>
+                </a:moveTo>
+                <a:lnTo>
+                  <a:pt x="120000" y="0"/>
+                </a:lnTo>
+                <a:lnTo>
+                  <a:pt x="120000" y="120000"/>
+                </a:lnTo>
+                <a:lnTo>
+                  <a:pt x="0" y="120000"/>
+                </a:lnTo>
+                <a:close/>
+              </a:path>
+            </a:pathLst>
+          </a:custGeom>
+          <a:noFill/>
+          <a:ln w="12700" cap="flat" cmpd="sng">
+            <a:solidFill>
+              <a:srgbClr val="000000"/>
+            </a:solidFill>
+            <a:prstDash val="solid"/>
+            <a:round/>
+            <a:headEnd type="none" w="sm" len="sm"/>
+            <a:tailEnd type="none" w="sm" len="sm"/>
+          </a:ln>
+        </p:spPr>
+      </p:sp>
+    </p:spTree>
+    <p:extLst>
+      <p:ext uri="{BB962C8B-B14F-4D97-AF65-F5344CB8AC3E}">
+        <p14:creationId xmlns:p14="http://schemas.microsoft.com/office/powerpoint/2010/main" val="2154433796"/>
+      </p:ext>
+    </p:extLst>
   </p:cSld>
   <p:clrMapOvr>
     <a:masterClrMapping/>
@@ -8880,6 +9136,21 @@
               <a:buNone/>
             </a:pPr>
             <a:r>
+              <a:rPr lang="en-US" sz="3600" dirty="0" smtClean="0"/>
+              <a:t>Geospatial Scallop Area Management </a:t>
+            </a:r>
+            <a:r>
+              <a:rPr lang="en-US" sz="3600" dirty="0" smtClean="0"/>
+              <a:t>System,</a:t>
+            </a:r>
+            <a:r>
+              <a:rPr lang="en-US" sz="3600" dirty="0" smtClean="0"/>
+              <a:t/>
+            </a:r>
+            <a:br>
+              <a:rPr lang="en-US" sz="3600" dirty="0" smtClean="0"/>
+            </a:br>
+            <a:r>
               <a:rPr lang="en-US" sz="3600" dirty="0" err="1" smtClean="0"/>
               <a:t>GeoSAMS</a:t>
             </a:r>
@@ -11163,6 +11434,342 @@
         </p:txBody>
       </p:sp>
     </p:spTree>
+  </p:cSld>
+  <p:clrMapOvr>
+    <a:masterClrMapping/>
+  </p:clrMapOvr>
+</p:sld>
+</file>
+
+<file path=ppt/slides/slide20.xml><?xml version="1.0" encoding="utf-8"?>
+<p:sld xmlns:a="http://schemas.openxmlformats.org/drawingml/2006/main" xmlns:r="http://schemas.openxmlformats.org/officeDocument/2006/relationships" xmlns:p="http://schemas.openxmlformats.org/presentationml/2006/main">
+  <p:cSld>
+    <p:spTree>
+      <p:nvGrpSpPr>
+        <p:cNvPr id="1" name="Shape 55"/>
+        <p:cNvGrpSpPr/>
+        <p:nvPr/>
+      </p:nvGrpSpPr>
+      <p:grpSpPr>
+        <a:xfrm>
+          <a:off x="0" y="0"/>
+          <a:ext cx="0" cy="0"/>
+          <a:chOff x="0" y="0"/>
+          <a:chExt cx="0" cy="0"/>
+        </a:xfrm>
+      </p:grpSpPr>
+      <p:sp>
+        <p:nvSpPr>
+          <p:cNvPr id="56" name="Google Shape;56;p8"/>
+          <p:cNvSpPr txBox="1">
+            <a:spLocks noGrp="1"/>
+          </p:cNvSpPr>
+          <p:nvPr>
+            <p:ph type="title"/>
+          </p:nvPr>
+        </p:nvSpPr>
+        <p:spPr>
+          <a:xfrm>
+            <a:off x="73742" y="9840"/>
+            <a:ext cx="8441608" cy="432612"/>
+          </a:xfrm>
+          <a:prstGeom prst="rect">
+            <a:avLst/>
+          </a:prstGeom>
+          <a:noFill/>
+          <a:ln>
+            <a:noFill/>
+          </a:ln>
+        </p:spPr>
+        <p:txBody>
+          <a:bodyPr spcFirstLastPara="1" wrap="square" lIns="91425" tIns="45700" rIns="91425" bIns="45700" anchor="ctr" anchorCtr="0">
+            <a:noAutofit/>
+          </a:bodyPr>
+          <a:lstStyle/>
+          <a:p>
+            <a:pPr marL="0" lvl="0" indent="0" algn="l" rtl="0">
+              <a:lnSpc>
+                <a:spcPct val="90000"/>
+              </a:lnSpc>
+              <a:spcBef>
+                <a:spcPts val="0"/>
+              </a:spcBef>
+              <a:spcAft>
+                <a:spcPts val="0"/>
+              </a:spcAft>
+              <a:buClr>
+                <a:schemeClr val="accent1"/>
+              </a:buClr>
+              <a:buSzPts val="3667"/>
+              <a:buFont typeface="Cambria"/>
+              <a:buNone/>
+            </a:pPr>
+            <a:r>
+              <a:rPr lang="en-US" sz="2400" dirty="0" err="1" smtClean="0"/>
+              <a:t>GeoSAMS</a:t>
+            </a:r>
+            <a:r>
+              <a:rPr lang="en-US" sz="2400" dirty="0" smtClean="0"/>
+              <a:t> – Sample Plots: Abundance</a:t>
+            </a:r>
+            <a:endParaRPr sz="2400" dirty="0"/>
+          </a:p>
+        </p:txBody>
+      </p:sp>
+      <p:sp>
+        <p:nvSpPr>
+          <p:cNvPr id="2" name="Rectangle 1"/>
+          <p:cNvSpPr/>
+          <p:nvPr/>
+        </p:nvSpPr>
+        <p:spPr>
+          <a:xfrm>
+            <a:off x="4454820" y="2703612"/>
+            <a:ext cx="234360" cy="307777"/>
+          </a:xfrm>
+          <a:prstGeom prst="rect">
+            <a:avLst/>
+          </a:prstGeom>
+        </p:spPr>
+        <p:txBody>
+          <a:bodyPr wrap="none">
+            <a:spAutoFit/>
+          </a:bodyPr>
+          <a:lstStyle/>
+          <a:p>
+            <a:r>
+              <a:rPr lang="en-US" dirty="0"/>
+              <a:t> </a:t>
+            </a:r>
+          </a:p>
+        </p:txBody>
+      </p:sp>
+      <p:sp>
+        <p:nvSpPr>
+          <p:cNvPr id="3" name="Rectangle 2"/>
+          <p:cNvSpPr/>
+          <p:nvPr/>
+        </p:nvSpPr>
+        <p:spPr>
+          <a:xfrm>
+            <a:off x="4454820" y="2703612"/>
+            <a:ext cx="234360" cy="307777"/>
+          </a:xfrm>
+          <a:prstGeom prst="rect">
+            <a:avLst/>
+          </a:prstGeom>
+        </p:spPr>
+        <p:txBody>
+          <a:bodyPr wrap="none">
+            <a:spAutoFit/>
+          </a:bodyPr>
+          <a:lstStyle/>
+          <a:p>
+            <a:r>
+              <a:rPr lang="en-US" dirty="0"/>
+              <a:t> </a:t>
+            </a:r>
+          </a:p>
+        </p:txBody>
+      </p:sp>
+      <p:pic>
+        <p:nvPicPr>
+          <p:cNvPr id="7" name="Picture 6"/>
+          <p:cNvPicPr>
+            <a:picLocks noChangeAspect="1"/>
+          </p:cNvPicPr>
+          <p:nvPr/>
+        </p:nvPicPr>
+        <p:blipFill>
+          <a:blip r:embed="rId3"/>
+          <a:stretch>
+            <a:fillRect/>
+          </a:stretch>
+        </p:blipFill>
+        <p:spPr>
+          <a:xfrm>
+            <a:off x="1114424" y="387721"/>
+            <a:ext cx="7298033" cy="5337789"/>
+          </a:xfrm>
+          <a:prstGeom prst="rect">
+            <a:avLst/>
+          </a:prstGeom>
+        </p:spPr>
+      </p:pic>
+    </p:spTree>
+    <p:extLst>
+      <p:ext uri="{BB962C8B-B14F-4D97-AF65-F5344CB8AC3E}">
+        <p14:creationId xmlns:p14="http://schemas.microsoft.com/office/powerpoint/2010/main" val="4035532086"/>
+      </p:ext>
+    </p:extLst>
+  </p:cSld>
+  <p:clrMapOvr>
+    <a:masterClrMapping/>
+  </p:clrMapOvr>
+</p:sld>
+</file>
+
+<file path=ppt/slides/slide21.xml><?xml version="1.0" encoding="utf-8"?>
+<p:sld xmlns:a="http://schemas.openxmlformats.org/drawingml/2006/main" xmlns:r="http://schemas.openxmlformats.org/officeDocument/2006/relationships" xmlns:p="http://schemas.openxmlformats.org/presentationml/2006/main">
+  <p:cSld>
+    <p:spTree>
+      <p:nvGrpSpPr>
+        <p:cNvPr id="1" name="Shape 55"/>
+        <p:cNvGrpSpPr/>
+        <p:nvPr/>
+      </p:nvGrpSpPr>
+      <p:grpSpPr>
+        <a:xfrm>
+          <a:off x="0" y="0"/>
+          <a:ext cx="0" cy="0"/>
+          <a:chOff x="0" y="0"/>
+          <a:chExt cx="0" cy="0"/>
+        </a:xfrm>
+      </p:grpSpPr>
+      <p:sp>
+        <p:nvSpPr>
+          <p:cNvPr id="56" name="Google Shape;56;p8"/>
+          <p:cNvSpPr txBox="1">
+            <a:spLocks noGrp="1"/>
+          </p:cNvSpPr>
+          <p:nvPr>
+            <p:ph type="title"/>
+          </p:nvPr>
+        </p:nvSpPr>
+        <p:spPr>
+          <a:xfrm>
+            <a:off x="73742" y="9840"/>
+            <a:ext cx="8441608" cy="432612"/>
+          </a:xfrm>
+          <a:prstGeom prst="rect">
+            <a:avLst/>
+          </a:prstGeom>
+          <a:noFill/>
+          <a:ln>
+            <a:noFill/>
+          </a:ln>
+        </p:spPr>
+        <p:txBody>
+          <a:bodyPr spcFirstLastPara="1" wrap="square" lIns="91425" tIns="45700" rIns="91425" bIns="45700" anchor="ctr" anchorCtr="0">
+            <a:noAutofit/>
+          </a:bodyPr>
+          <a:lstStyle/>
+          <a:p>
+            <a:pPr marL="0" lvl="0" indent="0" algn="l" rtl="0">
+              <a:lnSpc>
+                <a:spcPct val="90000"/>
+              </a:lnSpc>
+              <a:spcBef>
+                <a:spcPts val="0"/>
+              </a:spcBef>
+              <a:spcAft>
+                <a:spcPts val="0"/>
+              </a:spcAft>
+              <a:buClr>
+                <a:schemeClr val="accent1"/>
+              </a:buClr>
+              <a:buSzPts val="3667"/>
+              <a:buFont typeface="Cambria"/>
+              <a:buNone/>
+            </a:pPr>
+            <a:r>
+              <a:rPr lang="en-US" sz="2400" dirty="0" err="1" smtClean="0"/>
+              <a:t>GeoSAMS</a:t>
+            </a:r>
+            <a:r>
+              <a:rPr lang="en-US" sz="2400" dirty="0" smtClean="0"/>
+              <a:t> – Sample Plots: Exploitable Biomass</a:t>
+            </a:r>
+            <a:endParaRPr sz="2400" dirty="0"/>
+          </a:p>
+        </p:txBody>
+      </p:sp>
+      <p:sp>
+        <p:nvSpPr>
+          <p:cNvPr id="2" name="Rectangle 1"/>
+          <p:cNvSpPr/>
+          <p:nvPr/>
+        </p:nvSpPr>
+        <p:spPr>
+          <a:xfrm>
+            <a:off x="4454820" y="2703612"/>
+            <a:ext cx="234360" cy="307777"/>
+          </a:xfrm>
+          <a:prstGeom prst="rect">
+            <a:avLst/>
+          </a:prstGeom>
+        </p:spPr>
+        <p:txBody>
+          <a:bodyPr wrap="none">
+            <a:spAutoFit/>
+          </a:bodyPr>
+          <a:lstStyle/>
+          <a:p>
+            <a:r>
+              <a:rPr lang="en-US" dirty="0"/>
+              <a:t> </a:t>
+            </a:r>
+          </a:p>
+        </p:txBody>
+      </p:sp>
+      <p:sp>
+        <p:nvSpPr>
+          <p:cNvPr id="3" name="Rectangle 2"/>
+          <p:cNvSpPr/>
+          <p:nvPr/>
+        </p:nvSpPr>
+        <p:spPr>
+          <a:xfrm>
+            <a:off x="4454820" y="2703612"/>
+            <a:ext cx="234360" cy="307777"/>
+          </a:xfrm>
+          <a:prstGeom prst="rect">
+            <a:avLst/>
+          </a:prstGeom>
+        </p:spPr>
+        <p:txBody>
+          <a:bodyPr wrap="none">
+            <a:spAutoFit/>
+          </a:bodyPr>
+          <a:lstStyle/>
+          <a:p>
+            <a:r>
+              <a:rPr lang="en-US" dirty="0"/>
+              <a:t> </a:t>
+            </a:r>
+          </a:p>
+        </p:txBody>
+      </p:sp>
+      <p:pic>
+        <p:nvPicPr>
+          <p:cNvPr id="4" name="Picture 3"/>
+          <p:cNvPicPr>
+            <a:picLocks noChangeAspect="1"/>
+          </p:cNvPicPr>
+          <p:nvPr/>
+        </p:nvPicPr>
+        <p:blipFill>
+          <a:blip r:embed="rId3"/>
+          <a:stretch>
+            <a:fillRect/>
+          </a:stretch>
+        </p:blipFill>
+        <p:spPr>
+          <a:xfrm>
+            <a:off x="1095375" y="461962"/>
+            <a:ext cx="6953250" cy="4791075"/>
+          </a:xfrm>
+          <a:prstGeom prst="rect">
+            <a:avLst/>
+          </a:prstGeom>
+        </p:spPr>
+      </p:pic>
+    </p:spTree>
+    <p:extLst>
+      <p:ext uri="{BB962C8B-B14F-4D97-AF65-F5344CB8AC3E}">
+        <p14:creationId xmlns:p14="http://schemas.microsoft.com/office/powerpoint/2010/main" val="962435247"/>
+      </p:ext>
+    </p:extLst>
   </p:cSld>
   <p:clrMapOvr>
     <a:masterClrMapping/>
@@ -12261,7 +12868,7 @@
             </a:pPr>
             <a:r>
               <a:rPr lang="en-US" sz="1800" dirty="0" smtClean="0"/>
-              <a:t>Three M-file scripts are used sequentially to extract recruit information from both Dredge or </a:t>
+              <a:t>Three M-file scripts are used sequentially to extract recruit information from both Dredge and </a:t>
             </a:r>
             <a:r>
               <a:rPr lang="en-US" sz="1800" dirty="0" err="1" smtClean="0"/>
